--- a/Документация/Презентация.pptx
+++ b/Документация/Презентация.pptx
@@ -5,7 +5,7 @@
     <p:sldMasterId id="2147483648" r:id="rId1"/>
   </p:sldMasterIdLst>
   <p:notesMasterIdLst>
-    <p:notesMasterId r:id="rId21"/>
+    <p:notesMasterId r:id="rId20"/>
   </p:notesMasterIdLst>
   <p:sldIdLst>
     <p:sldId id="256" r:id="rId2"/>
@@ -18,15 +18,14 @@
     <p:sldId id="263" r:id="rId9"/>
     <p:sldId id="264" r:id="rId10"/>
     <p:sldId id="266" r:id="rId11"/>
-    <p:sldId id="267" r:id="rId12"/>
-    <p:sldId id="269" r:id="rId13"/>
-    <p:sldId id="270" r:id="rId14"/>
-    <p:sldId id="271" r:id="rId15"/>
-    <p:sldId id="273" r:id="rId16"/>
+    <p:sldId id="273" r:id="rId12"/>
+    <p:sldId id="267" r:id="rId13"/>
+    <p:sldId id="269" r:id="rId14"/>
+    <p:sldId id="270" r:id="rId15"/>
+    <p:sldId id="271" r:id="rId16"/>
     <p:sldId id="272" r:id="rId17"/>
-    <p:sldId id="274" r:id="rId18"/>
-    <p:sldId id="268" r:id="rId19"/>
-    <p:sldId id="275" r:id="rId20"/>
+    <p:sldId id="268" r:id="rId18"/>
+    <p:sldId id="275" r:id="rId19"/>
   </p:sldIdLst>
   <p:sldSz cx="12192000" cy="6858000"/>
   <p:notesSz cx="6858000" cy="9144000"/>
@@ -125,6 +124,11 @@
       </a:defRPr>
     </a:lvl9pPr>
   </p:defaultTextStyle>
+  <p:extLst>
+    <p:ext uri="{EFAFB233-063F-42B5-8137-9DF3F51BA10A}">
+      <p15:sldGuideLst xmlns:p15="http://schemas.microsoft.com/office/powerpoint/2012/main"/>
+    </p:ext>
+  </p:extLst>
 </p:presentation>
 </file>
 
@@ -564,90 +568,6 @@
     <p:extLst>
       <p:ext uri="{BB962C8B-B14F-4D97-AF65-F5344CB8AC3E}">
         <p14:creationId xmlns:p14="http://schemas.microsoft.com/office/powerpoint/2010/main" val="252853884"/>
-      </p:ext>
-    </p:extLst>
-  </p:cSld>
-  <p:clrMapOvr>
-    <a:masterClrMapping/>
-  </p:clrMapOvr>
-</p:notes>
-</file>
-
-<file path=ppt/notesSlides/notesSlide2.xml><?xml version="1.0" encoding="utf-8"?>
-<p:notes xmlns:a="http://schemas.openxmlformats.org/drawingml/2006/main" xmlns:r="http://schemas.openxmlformats.org/officeDocument/2006/relationships" xmlns:p="http://schemas.openxmlformats.org/presentationml/2006/main">
-  <p:cSld>
-    <p:spTree>
-      <p:nvGrpSpPr>
-        <p:cNvPr id="1" name=""/>
-        <p:cNvGrpSpPr/>
-        <p:nvPr/>
-      </p:nvGrpSpPr>
-      <p:grpSpPr>
-        <a:xfrm>
-          <a:off x="0" y="0"/>
-          <a:ext cx="0" cy="0"/>
-          <a:chOff x="0" y="0"/>
-          <a:chExt cx="0" cy="0"/>
-        </a:xfrm>
-      </p:grpSpPr>
-      <p:sp>
-        <p:nvSpPr>
-          <p:cNvPr id="2" name="Образ слайда 1"/>
-          <p:cNvSpPr>
-            <a:spLocks noGrp="1" noRot="1" noChangeAspect="1"/>
-          </p:cNvSpPr>
-          <p:nvPr>
-            <p:ph type="sldImg"/>
-          </p:nvPr>
-        </p:nvSpPr>
-        <p:spPr/>
-      </p:sp>
-      <p:sp>
-        <p:nvSpPr>
-          <p:cNvPr id="3" name="Заметки 2"/>
-          <p:cNvSpPr>
-            <a:spLocks noGrp="1"/>
-          </p:cNvSpPr>
-          <p:nvPr>
-            <p:ph type="body" idx="1"/>
-          </p:nvPr>
-        </p:nvSpPr>
-        <p:spPr/>
-        <p:txBody>
-          <a:bodyPr/>
-          <a:lstStyle/>
-          <a:p>
-            <a:endParaRPr lang="ru-RU" dirty="0"/>
-          </a:p>
-        </p:txBody>
-      </p:sp>
-      <p:sp>
-        <p:nvSpPr>
-          <p:cNvPr id="4" name="Номер слайда 3"/>
-          <p:cNvSpPr>
-            <a:spLocks noGrp="1"/>
-          </p:cNvSpPr>
-          <p:nvPr>
-            <p:ph type="sldNum" sz="quarter" idx="5"/>
-          </p:nvPr>
-        </p:nvSpPr>
-        <p:spPr/>
-        <p:txBody>
-          <a:bodyPr/>
-          <a:lstStyle/>
-          <a:p>
-            <a:fld id="{272C7AD8-15AA-40EA-87A9-6AF471DAB094}" type="slidenum">
-              <a:rPr lang="ru-RU" smtClean="0"/>
-              <a:t>17</a:t>
-            </a:fld>
-            <a:endParaRPr lang="ru-RU" dirty="0"/>
-          </a:p>
-        </p:txBody>
-      </p:sp>
-    </p:spTree>
-    <p:extLst>
-      <p:ext uri="{BB962C8B-B14F-4D97-AF65-F5344CB8AC3E}">
-        <p14:creationId xmlns:p14="http://schemas.microsoft.com/office/powerpoint/2010/main" val="1550648640"/>
       </p:ext>
     </p:extLst>
   </p:cSld>
@@ -4275,6 +4195,159 @@
                 <a:latin typeface="Times New Roman" panose="02020603050405020304" pitchFamily="18" charset="0"/>
                 <a:cs typeface="Times New Roman" panose="02020603050405020304" pitchFamily="18" charset="0"/>
               </a:rPr>
+              <a:t>Документация</a:t>
+            </a:r>
+          </a:p>
+        </p:txBody>
+      </p:sp>
+      <p:pic>
+        <p:nvPicPr>
+          <p:cNvPr id="4" name="Рисунок 3">
+            <a:extLst>
+              <a:ext uri="{FF2B5EF4-FFF2-40B4-BE49-F238E27FC236}">
+                <a16:creationId xmlns:a16="http://schemas.microsoft.com/office/drawing/2014/main" id="{93134084-9EA6-4C74-90DE-3EB739A8B272}"/>
+              </a:ext>
+            </a:extLst>
+          </p:cNvPr>
+          <p:cNvPicPr>
+            <a:picLocks noChangeAspect="1"/>
+          </p:cNvPicPr>
+          <p:nvPr/>
+        </p:nvPicPr>
+        <p:blipFill>
+          <a:blip r:embed="rId2"/>
+          <a:stretch>
+            <a:fillRect/>
+          </a:stretch>
+        </p:blipFill>
+        <p:spPr>
+          <a:xfrm>
+            <a:off x="838200" y="1468201"/>
+            <a:ext cx="4816257" cy="3459780"/>
+          </a:xfrm>
+          <a:prstGeom prst="rect">
+            <a:avLst/>
+          </a:prstGeom>
+        </p:spPr>
+      </p:pic>
+      <p:pic>
+        <p:nvPicPr>
+          <p:cNvPr id="5" name="Рисунок 4">
+            <a:extLst>
+              <a:ext uri="{FF2B5EF4-FFF2-40B4-BE49-F238E27FC236}">
+                <a16:creationId xmlns:a16="http://schemas.microsoft.com/office/drawing/2014/main" id="{0A95BE4E-31B6-472C-896A-3F87CF6B08B7}"/>
+              </a:ext>
+            </a:extLst>
+          </p:cNvPr>
+          <p:cNvPicPr>
+            <a:picLocks noChangeAspect="1"/>
+          </p:cNvPicPr>
+          <p:nvPr/>
+        </p:nvPicPr>
+        <p:blipFill>
+          <a:blip r:embed="rId3"/>
+          <a:stretch>
+            <a:fillRect/>
+          </a:stretch>
+        </p:blipFill>
+        <p:spPr>
+          <a:xfrm>
+            <a:off x="5827999" y="1468201"/>
+            <a:ext cx="4488569" cy="1600339"/>
+          </a:xfrm>
+          <a:prstGeom prst="rect">
+            <a:avLst/>
+          </a:prstGeom>
+        </p:spPr>
+      </p:pic>
+      <p:pic>
+        <p:nvPicPr>
+          <p:cNvPr id="6" name="Рисунок 5">
+            <a:extLst>
+              <a:ext uri="{FF2B5EF4-FFF2-40B4-BE49-F238E27FC236}">
+                <a16:creationId xmlns:a16="http://schemas.microsoft.com/office/drawing/2014/main" id="{37735D16-03FF-4BF3-B33C-34A9A6ED6435}"/>
+              </a:ext>
+            </a:extLst>
+          </p:cNvPr>
+          <p:cNvPicPr>
+            <a:picLocks noChangeAspect="1"/>
+          </p:cNvPicPr>
+          <p:nvPr/>
+        </p:nvPicPr>
+        <p:blipFill>
+          <a:blip r:embed="rId4"/>
+          <a:stretch>
+            <a:fillRect/>
+          </a:stretch>
+        </p:blipFill>
+        <p:spPr>
+          <a:xfrm>
+            <a:off x="5827999" y="3198091"/>
+            <a:ext cx="5060118" cy="3261643"/>
+          </a:xfrm>
+          <a:prstGeom prst="rect">
+            <a:avLst/>
+          </a:prstGeom>
+        </p:spPr>
+      </p:pic>
+    </p:spTree>
+    <p:extLst>
+      <p:ext uri="{BB962C8B-B14F-4D97-AF65-F5344CB8AC3E}">
+        <p14:creationId xmlns:p14="http://schemas.microsoft.com/office/powerpoint/2010/main" val="2692408581"/>
+      </p:ext>
+    </p:extLst>
+  </p:cSld>
+  <p:clrMapOvr>
+    <a:masterClrMapping/>
+  </p:clrMapOvr>
+</p:sld>
+</file>
+
+<file path=ppt/slides/slide12.xml><?xml version="1.0" encoding="utf-8"?>
+<p:sld xmlns:a="http://schemas.openxmlformats.org/drawingml/2006/main" xmlns:r="http://schemas.openxmlformats.org/officeDocument/2006/relationships" xmlns:p="http://schemas.openxmlformats.org/presentationml/2006/main">
+  <p:cSld>
+    <p:spTree>
+      <p:nvGrpSpPr>
+        <p:cNvPr id="1" name=""/>
+        <p:cNvGrpSpPr/>
+        <p:nvPr/>
+      </p:nvGrpSpPr>
+      <p:grpSpPr>
+        <a:xfrm>
+          <a:off x="0" y="0"/>
+          <a:ext cx="0" cy="0"/>
+          <a:chOff x="0" y="0"/>
+          <a:chExt cx="0" cy="0"/>
+        </a:xfrm>
+      </p:grpSpPr>
+      <p:sp>
+        <p:nvSpPr>
+          <p:cNvPr id="2" name="Заголовок 1">
+            <a:extLst>
+              <a:ext uri="{FF2B5EF4-FFF2-40B4-BE49-F238E27FC236}">
+                <a16:creationId xmlns:a16="http://schemas.microsoft.com/office/drawing/2014/main" id="{19F05841-F4F8-4CDB-81DD-5524D2AF5210}"/>
+              </a:ext>
+            </a:extLst>
+          </p:cNvPr>
+          <p:cNvSpPr>
+            <a:spLocks noGrp="1"/>
+          </p:cNvSpPr>
+          <p:nvPr>
+            <p:ph type="title"/>
+          </p:nvPr>
+        </p:nvSpPr>
+        <p:spPr/>
+        <p:txBody>
+          <a:bodyPr>
+            <a:normAutofit/>
+          </a:bodyPr>
+          <a:lstStyle/>
+          <a:p>
+            <a:r>
+              <a:rPr lang="ru-RU" sz="3200" dirty="0">
+                <a:latin typeface="Times New Roman" panose="02020603050405020304" pitchFamily="18" charset="0"/>
+                <a:cs typeface="Times New Roman" panose="02020603050405020304" pitchFamily="18" charset="0"/>
+              </a:rPr>
               <a:t>Инструменты реализации приложения</a:t>
             </a:r>
           </a:p>
@@ -4470,7 +4543,7 @@
 </p:sld>
 </file>
 
-<file path=ppt/slides/slide12.xml><?xml version="1.0" encoding="utf-8"?>
+<file path=ppt/slides/slide13.xml><?xml version="1.0" encoding="utf-8"?>
 <p:sld xmlns:a="http://schemas.openxmlformats.org/drawingml/2006/main" xmlns:r="http://schemas.openxmlformats.org/officeDocument/2006/relationships" xmlns:p="http://schemas.openxmlformats.org/presentationml/2006/main">
   <p:cSld>
     <p:spTree>
@@ -4614,7 +4687,7 @@
 </p:sld>
 </file>
 
-<file path=ppt/slides/slide13.xml><?xml version="1.0" encoding="utf-8"?>
+<file path=ppt/slides/slide14.xml><?xml version="1.0" encoding="utf-8"?>
 <p:sld xmlns:a="http://schemas.openxmlformats.org/drawingml/2006/main" xmlns:r="http://schemas.openxmlformats.org/officeDocument/2006/relationships" xmlns:p="http://schemas.openxmlformats.org/presentationml/2006/main">
   <p:cSld>
     <p:spTree>
@@ -4920,7 +4993,7 @@
 </p:sld>
 </file>
 
-<file path=ppt/slides/slide14.xml><?xml version="1.0" encoding="utf-8"?>
+<file path=ppt/slides/slide15.xml><?xml version="1.0" encoding="utf-8"?>
 <p:sld xmlns:a="http://schemas.openxmlformats.org/drawingml/2006/main" xmlns:r="http://schemas.openxmlformats.org/officeDocument/2006/relationships" xmlns:p="http://schemas.openxmlformats.org/presentationml/2006/main">
   <p:cSld>
     <p:spTree>
@@ -5022,159 +5095,6 @@
 </p:sld>
 </file>
 
-<file path=ppt/slides/slide15.xml><?xml version="1.0" encoding="utf-8"?>
-<p:sld xmlns:a="http://schemas.openxmlformats.org/drawingml/2006/main" xmlns:r="http://schemas.openxmlformats.org/officeDocument/2006/relationships" xmlns:p="http://schemas.openxmlformats.org/presentationml/2006/main">
-  <p:cSld>
-    <p:spTree>
-      <p:nvGrpSpPr>
-        <p:cNvPr id="1" name=""/>
-        <p:cNvGrpSpPr/>
-        <p:nvPr/>
-      </p:nvGrpSpPr>
-      <p:grpSpPr>
-        <a:xfrm>
-          <a:off x="0" y="0"/>
-          <a:ext cx="0" cy="0"/>
-          <a:chOff x="0" y="0"/>
-          <a:chExt cx="0" cy="0"/>
-        </a:xfrm>
-      </p:grpSpPr>
-      <p:sp>
-        <p:nvSpPr>
-          <p:cNvPr id="2" name="Заголовок 1">
-            <a:extLst>
-              <a:ext uri="{FF2B5EF4-FFF2-40B4-BE49-F238E27FC236}">
-                <a16:creationId xmlns:a16="http://schemas.microsoft.com/office/drawing/2014/main" id="{19F05841-F4F8-4CDB-81DD-5524D2AF5210}"/>
-              </a:ext>
-            </a:extLst>
-          </p:cNvPr>
-          <p:cNvSpPr>
-            <a:spLocks noGrp="1"/>
-          </p:cNvSpPr>
-          <p:nvPr>
-            <p:ph type="title"/>
-          </p:nvPr>
-        </p:nvSpPr>
-        <p:spPr/>
-        <p:txBody>
-          <a:bodyPr>
-            <a:normAutofit/>
-          </a:bodyPr>
-          <a:lstStyle/>
-          <a:p>
-            <a:r>
-              <a:rPr lang="ru-RU" sz="3200" dirty="0">
-                <a:latin typeface="Times New Roman" panose="02020603050405020304" pitchFamily="18" charset="0"/>
-                <a:cs typeface="Times New Roman" panose="02020603050405020304" pitchFamily="18" charset="0"/>
-              </a:rPr>
-              <a:t>Демонстрация реализации приложения</a:t>
-            </a:r>
-          </a:p>
-        </p:txBody>
-      </p:sp>
-      <p:pic>
-        <p:nvPicPr>
-          <p:cNvPr id="4" name="Рисунок 3">
-            <a:extLst>
-              <a:ext uri="{FF2B5EF4-FFF2-40B4-BE49-F238E27FC236}">
-                <a16:creationId xmlns:a16="http://schemas.microsoft.com/office/drawing/2014/main" id="{93134084-9EA6-4C74-90DE-3EB739A8B272}"/>
-              </a:ext>
-            </a:extLst>
-          </p:cNvPr>
-          <p:cNvPicPr>
-            <a:picLocks noChangeAspect="1"/>
-          </p:cNvPicPr>
-          <p:nvPr/>
-        </p:nvPicPr>
-        <p:blipFill>
-          <a:blip r:embed="rId2"/>
-          <a:stretch>
-            <a:fillRect/>
-          </a:stretch>
-        </p:blipFill>
-        <p:spPr>
-          <a:xfrm>
-            <a:off x="838200" y="1468201"/>
-            <a:ext cx="4816257" cy="3459780"/>
-          </a:xfrm>
-          <a:prstGeom prst="rect">
-            <a:avLst/>
-          </a:prstGeom>
-        </p:spPr>
-      </p:pic>
-      <p:pic>
-        <p:nvPicPr>
-          <p:cNvPr id="5" name="Рисунок 4">
-            <a:extLst>
-              <a:ext uri="{FF2B5EF4-FFF2-40B4-BE49-F238E27FC236}">
-                <a16:creationId xmlns:a16="http://schemas.microsoft.com/office/drawing/2014/main" id="{0A95BE4E-31B6-472C-896A-3F87CF6B08B7}"/>
-              </a:ext>
-            </a:extLst>
-          </p:cNvPr>
-          <p:cNvPicPr>
-            <a:picLocks noChangeAspect="1"/>
-          </p:cNvPicPr>
-          <p:nvPr/>
-        </p:nvPicPr>
-        <p:blipFill>
-          <a:blip r:embed="rId3"/>
-          <a:stretch>
-            <a:fillRect/>
-          </a:stretch>
-        </p:blipFill>
-        <p:spPr>
-          <a:xfrm>
-            <a:off x="5827999" y="1468201"/>
-            <a:ext cx="4488569" cy="1600339"/>
-          </a:xfrm>
-          <a:prstGeom prst="rect">
-            <a:avLst/>
-          </a:prstGeom>
-        </p:spPr>
-      </p:pic>
-      <p:pic>
-        <p:nvPicPr>
-          <p:cNvPr id="6" name="Рисунок 5">
-            <a:extLst>
-              <a:ext uri="{FF2B5EF4-FFF2-40B4-BE49-F238E27FC236}">
-                <a16:creationId xmlns:a16="http://schemas.microsoft.com/office/drawing/2014/main" id="{37735D16-03FF-4BF3-B33C-34A9A6ED6435}"/>
-              </a:ext>
-            </a:extLst>
-          </p:cNvPr>
-          <p:cNvPicPr>
-            <a:picLocks noChangeAspect="1"/>
-          </p:cNvPicPr>
-          <p:nvPr/>
-        </p:nvPicPr>
-        <p:blipFill>
-          <a:blip r:embed="rId4"/>
-          <a:stretch>
-            <a:fillRect/>
-          </a:stretch>
-        </p:blipFill>
-        <p:spPr>
-          <a:xfrm>
-            <a:off x="5827999" y="3198091"/>
-            <a:ext cx="5060118" cy="3261643"/>
-          </a:xfrm>
-          <a:prstGeom prst="rect">
-            <a:avLst/>
-          </a:prstGeom>
-        </p:spPr>
-      </p:pic>
-    </p:spTree>
-    <p:extLst>
-      <p:ext uri="{BB962C8B-B14F-4D97-AF65-F5344CB8AC3E}">
-        <p14:creationId xmlns:p14="http://schemas.microsoft.com/office/powerpoint/2010/main" val="2692408581"/>
-      </p:ext>
-    </p:extLst>
-  </p:cSld>
-  <p:clrMapOvr>
-    <a:masterClrMapping/>
-  </p:clrMapOvr>
-</p:sld>
-</file>
-
 <file path=ppt/slides/slide16.xml><?xml version="1.0" encoding="utf-8"?>
 <p:sld xmlns:a="http://schemas.openxmlformats.org/drawingml/2006/main" xmlns:r="http://schemas.openxmlformats.org/officeDocument/2006/relationships" xmlns:p="http://schemas.openxmlformats.org/presentationml/2006/main">
   <p:cSld>
@@ -5400,209 +5320,6 @@
           <p:cNvPr id="2" name="Заголовок 1">
             <a:extLst>
               <a:ext uri="{FF2B5EF4-FFF2-40B4-BE49-F238E27FC236}">
-                <a16:creationId xmlns:a16="http://schemas.microsoft.com/office/drawing/2014/main" id="{19F05841-F4F8-4CDB-81DD-5524D2AF5210}"/>
-              </a:ext>
-            </a:extLst>
-          </p:cNvPr>
-          <p:cNvSpPr>
-            <a:spLocks noGrp="1"/>
-          </p:cNvSpPr>
-          <p:nvPr>
-            <p:ph type="title"/>
-          </p:nvPr>
-        </p:nvSpPr>
-        <p:spPr/>
-        <p:txBody>
-          <a:bodyPr>
-            <a:normAutofit/>
-          </a:bodyPr>
-          <a:lstStyle/>
-          <a:p>
-            <a:r>
-              <a:rPr lang="ru-RU" sz="3200" dirty="0">
-                <a:latin typeface="Times New Roman" panose="02020603050405020304" pitchFamily="18" charset="0"/>
-                <a:cs typeface="Times New Roman" panose="02020603050405020304" pitchFamily="18" charset="0"/>
-              </a:rPr>
-              <a:t>Заключение</a:t>
-            </a:r>
-          </a:p>
-        </p:txBody>
-      </p:sp>
-      <p:sp>
-        <p:nvSpPr>
-          <p:cNvPr id="4" name="TextBox 3">
-            <a:extLst>
-              <a:ext uri="{FF2B5EF4-FFF2-40B4-BE49-F238E27FC236}">
-                <a16:creationId xmlns:a16="http://schemas.microsoft.com/office/drawing/2014/main" id="{40A60411-CFD4-4AAD-9240-FB0BB605F035}"/>
-              </a:ext>
-            </a:extLst>
-          </p:cNvPr>
-          <p:cNvSpPr txBox="1"/>
-          <p:nvPr/>
-        </p:nvSpPr>
-        <p:spPr>
-          <a:xfrm>
-            <a:off x="838200" y="2176463"/>
-            <a:ext cx="10058400" cy="3447098"/>
-          </a:xfrm>
-          <a:prstGeom prst="rect">
-            <a:avLst/>
-          </a:prstGeom>
-          <a:noFill/>
-        </p:spPr>
-        <p:txBody>
-          <a:bodyPr wrap="square" rtlCol="0">
-            <a:spAutoFit/>
-          </a:bodyPr>
-          <a:lstStyle/>
-          <a:p>
-            <a:pPr marL="285750" indent="-285750">
-              <a:buFont typeface="Arial" panose="020B0604020202020204" pitchFamily="34" charset="0"/>
-              <a:buChar char="•"/>
-            </a:pPr>
-            <a:r>
-              <a:rPr lang="ru-RU" sz="2000" dirty="0">
-                <a:latin typeface="Times New Roman" panose="02020603050405020304" pitchFamily="18" charset="0"/>
-                <a:cs typeface="Times New Roman" panose="02020603050405020304" pitchFamily="18" charset="0"/>
-              </a:rPr>
-              <a:t>В ходе выполнения курсового проекта нашей командой было разработано работающее ПО для медицинских лабораторий, удовлетворяющее требованиям, которые были поставлены при составлении технического задания.</a:t>
-            </a:r>
-          </a:p>
-          <a:p>
-            <a:pPr marL="285750" indent="-285750">
-              <a:buFont typeface="Arial" panose="020B0604020202020204" pitchFamily="34" charset="0"/>
-              <a:buChar char="•"/>
-            </a:pPr>
-            <a:endParaRPr lang="ru-RU" sz="2000" dirty="0">
-              <a:latin typeface="Times New Roman" panose="02020603050405020304" pitchFamily="18" charset="0"/>
-              <a:cs typeface="Times New Roman" panose="02020603050405020304" pitchFamily="18" charset="0"/>
-            </a:endParaRPr>
-          </a:p>
-          <a:p>
-            <a:pPr marL="285750" indent="-285750">
-              <a:buFont typeface="Arial" panose="020B0604020202020204" pitchFamily="34" charset="0"/>
-              <a:buChar char="•"/>
-            </a:pPr>
-            <a:r>
-              <a:rPr lang="ru-RU" sz="2000" dirty="0">
-                <a:latin typeface="Times New Roman" panose="02020603050405020304" pitchFamily="18" charset="0"/>
-                <a:cs typeface="Times New Roman" panose="02020603050405020304" pitchFamily="18" charset="0"/>
-              </a:rPr>
-              <a:t>В дальнейшем приложение будет доработано и соответствовать следующим требованиями</a:t>
-            </a:r>
-            <a:r>
-              <a:rPr lang="en-US" sz="2000" dirty="0">
-                <a:latin typeface="Times New Roman" panose="02020603050405020304" pitchFamily="18" charset="0"/>
-                <a:cs typeface="Times New Roman" panose="02020603050405020304" pitchFamily="18" charset="0"/>
-              </a:rPr>
-              <a:t>:</a:t>
-            </a:r>
-            <a:endParaRPr lang="ru-RU" sz="2000" dirty="0">
-              <a:latin typeface="Times New Roman" panose="02020603050405020304" pitchFamily="18" charset="0"/>
-              <a:cs typeface="Times New Roman" panose="02020603050405020304" pitchFamily="18" charset="0"/>
-            </a:endParaRPr>
-          </a:p>
-          <a:p>
-            <a:r>
-              <a:rPr lang="ru-RU" sz="2000" dirty="0">
-                <a:latin typeface="Times New Roman" panose="02020603050405020304" pitchFamily="18" charset="0"/>
-                <a:cs typeface="Times New Roman" panose="02020603050405020304" pitchFamily="18" charset="0"/>
-              </a:rPr>
-              <a:t>	Удобный ввод</a:t>
-            </a:r>
-            <a:r>
-              <a:rPr lang="en-US" sz="2000" dirty="0">
-                <a:latin typeface="Times New Roman" panose="02020603050405020304" pitchFamily="18" charset="0"/>
-                <a:cs typeface="Times New Roman" panose="02020603050405020304" pitchFamily="18" charset="0"/>
-              </a:rPr>
-              <a:t>/</a:t>
-            </a:r>
-            <a:r>
-              <a:rPr lang="ru-RU" sz="2000" dirty="0">
-                <a:latin typeface="Times New Roman" panose="02020603050405020304" pitchFamily="18" charset="0"/>
-                <a:cs typeface="Times New Roman" panose="02020603050405020304" pitchFamily="18" charset="0"/>
-              </a:rPr>
-              <a:t>вывод с</a:t>
-            </a:r>
-            <a:r>
-              <a:rPr lang="en-US" sz="2000" dirty="0">
-                <a:latin typeface="Times New Roman" panose="02020603050405020304" pitchFamily="18" charset="0"/>
-                <a:cs typeface="Times New Roman" panose="02020603050405020304" pitchFamily="18" charset="0"/>
-              </a:rPr>
-              <a:t>/</a:t>
-            </a:r>
-            <a:r>
-              <a:rPr lang="ru-RU" sz="2000" dirty="0">
-                <a:latin typeface="Times New Roman" panose="02020603050405020304" pitchFamily="18" charset="0"/>
-                <a:cs typeface="Times New Roman" panose="02020603050405020304" pitchFamily="18" charset="0"/>
-              </a:rPr>
-              <a:t>на бумажные носители</a:t>
-            </a:r>
-          </a:p>
-          <a:p>
-            <a:r>
-              <a:rPr lang="ru-RU" sz="2000" dirty="0">
-                <a:latin typeface="Times New Roman" panose="02020603050405020304" pitchFamily="18" charset="0"/>
-                <a:cs typeface="Times New Roman" panose="02020603050405020304" pitchFamily="18" charset="0"/>
-              </a:rPr>
-              <a:t>	Удобный механизм интеграции с другими системами</a:t>
-            </a:r>
-          </a:p>
-          <a:p>
-            <a:r>
-              <a:rPr lang="ru-RU" sz="2000" dirty="0">
-                <a:latin typeface="Times New Roman" panose="02020603050405020304" pitchFamily="18" charset="0"/>
-                <a:cs typeface="Times New Roman" panose="02020603050405020304" pitchFamily="18" charset="0"/>
-              </a:rPr>
-              <a:t>	Повышение надежности системы</a:t>
-            </a:r>
-          </a:p>
-          <a:p>
-            <a:endParaRPr lang="ru-RU" sz="2000" dirty="0">
-              <a:latin typeface="Times New Roman" panose="02020603050405020304" pitchFamily="18" charset="0"/>
-              <a:cs typeface="Times New Roman" panose="02020603050405020304" pitchFamily="18" charset="0"/>
-            </a:endParaRPr>
-          </a:p>
-          <a:p>
-            <a:endParaRPr lang="ru-RU" dirty="0"/>
-          </a:p>
-        </p:txBody>
-      </p:sp>
-    </p:spTree>
-    <p:extLst>
-      <p:ext uri="{BB962C8B-B14F-4D97-AF65-F5344CB8AC3E}">
-        <p14:creationId xmlns:p14="http://schemas.microsoft.com/office/powerpoint/2010/main" val="1192255553"/>
-      </p:ext>
-    </p:extLst>
-  </p:cSld>
-  <p:clrMapOvr>
-    <a:masterClrMapping/>
-  </p:clrMapOvr>
-</p:sld>
-</file>
-
-<file path=ppt/slides/slide18.xml><?xml version="1.0" encoding="utf-8"?>
-<p:sld xmlns:a="http://schemas.openxmlformats.org/drawingml/2006/main" xmlns:r="http://schemas.openxmlformats.org/officeDocument/2006/relationships" xmlns:p="http://schemas.openxmlformats.org/presentationml/2006/main">
-  <p:cSld>
-    <p:spTree>
-      <p:nvGrpSpPr>
-        <p:cNvPr id="1" name=""/>
-        <p:cNvGrpSpPr/>
-        <p:nvPr/>
-      </p:nvGrpSpPr>
-      <p:grpSpPr>
-        <a:xfrm>
-          <a:off x="0" y="0"/>
-          <a:ext cx="0" cy="0"/>
-          <a:chOff x="0" y="0"/>
-          <a:chExt cx="0" cy="0"/>
-        </a:xfrm>
-      </p:grpSpPr>
-      <p:sp>
-        <p:nvSpPr>
-          <p:cNvPr id="2" name="Заголовок 1">
-            <a:extLst>
-              <a:ext uri="{FF2B5EF4-FFF2-40B4-BE49-F238E27FC236}">
                 <a16:creationId xmlns:a16="http://schemas.microsoft.com/office/drawing/2014/main" id="{819B1B09-E0A5-42E5-B642-F84B607604B7}"/>
               </a:ext>
             </a:extLst>
@@ -5652,7 +5369,7 @@
         <p:spPr>
           <a:xfrm>
             <a:off x="9877425" y="5010150"/>
-            <a:ext cx="1362075" cy="1200329"/>
+            <a:ext cx="1640320" cy="923330"/>
           </a:xfrm>
           <a:prstGeom prst="rect">
             <a:avLst/>
@@ -5701,7 +5418,7 @@
 </p:sld>
 </file>
 
-<file path=ppt/slides/slide19.xml><?xml version="1.0" encoding="utf-8"?>
+<file path=ppt/slides/slide18.xml><?xml version="1.0" encoding="utf-8"?>
 <p:sld xmlns:a="http://schemas.openxmlformats.org/drawingml/2006/main" xmlns:r="http://schemas.openxmlformats.org/officeDocument/2006/relationships" xmlns:p="http://schemas.openxmlformats.org/presentationml/2006/main">
   <p:cSld>
     <p:spTree>
@@ -6382,16 +6099,6 @@
               <a:latin typeface="Times New Roman" panose="02020603050405020304" pitchFamily="18" charset="0"/>
               <a:cs typeface="Times New Roman" panose="02020603050405020304" pitchFamily="18" charset="0"/>
             </a:endParaRPr>
-          </a:p>
-          <a:p>
-            <a:pPr lvl="0"/>
-            <a:r>
-              <a:rPr lang="ru-RU" sz="1600" dirty="0">
-                <a:latin typeface="Times New Roman" panose="02020603050405020304" pitchFamily="18" charset="0"/>
-                <a:cs typeface="Times New Roman" panose="02020603050405020304" pitchFamily="18" charset="0"/>
-              </a:rPr>
-              <a:t>провести тестирование веб-приложения.</a:t>
-            </a:r>
           </a:p>
           <a:p>
             <a:pPr marL="0" indent="0">
@@ -6884,19 +6591,17 @@
       </p:sp>
       <p:pic>
         <p:nvPicPr>
-          <p:cNvPr id="5" name="Объект 4">
-            <a:extLst>
-              <a:ext uri="{FF2B5EF4-FFF2-40B4-BE49-F238E27FC236}">
-                <a16:creationId xmlns:a16="http://schemas.microsoft.com/office/drawing/2014/main" id="{E906CC69-B318-419F-A99F-7E2B4FF986E7}"/>
+          <p:cNvPr id="7" name="Рисунок 6">
+            <a:extLst>
+              <a:ext uri="{FF2B5EF4-FFF2-40B4-BE49-F238E27FC236}">
+                <a16:creationId xmlns:a16="http://schemas.microsoft.com/office/drawing/2014/main" id="{2376EEB3-F1FD-42A9-9397-BDC75A83DFCC}"/>
               </a:ext>
             </a:extLst>
           </p:cNvPr>
           <p:cNvPicPr>
-            <a:picLocks noGrp="1" noChangeAspect="1"/>
+            <a:picLocks noChangeAspect="1"/>
           </p:cNvPicPr>
-          <p:nvPr>
-            <p:ph idx="1"/>
-          </p:nvPr>
+          <p:nvPr/>
         </p:nvPicPr>
         <p:blipFill>
           <a:blip r:embed="rId2">
@@ -6912,21 +6617,80 @@
         </p:blipFill>
         <p:spPr>
           <a:xfrm>
-            <a:off x="0" y="1400753"/>
-            <a:ext cx="3829471" cy="4351338"/>
+            <a:off x="663216" y="1877788"/>
+            <a:ext cx="4096819" cy="3824303"/>
           </a:xfrm>
+          <a:prstGeom prst="rect">
+            <a:avLst/>
+          </a:prstGeom>
         </p:spPr>
       </p:pic>
+      <p:sp>
+        <p:nvSpPr>
+          <p:cNvPr id="6" name="Прямоугольник 5">
+            <a:extLst>
+              <a:ext uri="{FF2B5EF4-FFF2-40B4-BE49-F238E27FC236}">
+                <a16:creationId xmlns:a16="http://schemas.microsoft.com/office/drawing/2014/main" id="{FE87ABDA-ED16-414F-8243-39F997530446}"/>
+              </a:ext>
+            </a:extLst>
+          </p:cNvPr>
+          <p:cNvSpPr/>
+          <p:nvPr/>
+        </p:nvSpPr>
+        <p:spPr>
+          <a:xfrm>
+            <a:off x="471055" y="1690688"/>
+            <a:ext cx="2872509" cy="756948"/>
+          </a:xfrm>
+          <a:prstGeom prst="rect">
+            <a:avLst/>
+          </a:prstGeom>
+          <a:solidFill>
+            <a:schemeClr val="bg1"/>
+          </a:solidFill>
+          <a:ln>
+            <a:solidFill>
+              <a:schemeClr val="bg1"/>
+            </a:solidFill>
+          </a:ln>
+        </p:spPr>
+        <p:style>
+          <a:lnRef idx="2">
+            <a:schemeClr val="accent1">
+              <a:shade val="50000"/>
+            </a:schemeClr>
+          </a:lnRef>
+          <a:fillRef idx="1">
+            <a:schemeClr val="accent1"/>
+          </a:fillRef>
+          <a:effectRef idx="0">
+            <a:schemeClr val="accent1"/>
+          </a:effectRef>
+          <a:fontRef idx="minor">
+            <a:schemeClr val="lt1"/>
+          </a:fontRef>
+        </p:style>
+        <p:txBody>
+          <a:bodyPr rtlCol="0" anchor="ctr"/>
+          <a:lstStyle/>
+          <a:p>
+            <a:pPr algn="ctr"/>
+            <a:endParaRPr lang="ru-RU"/>
+          </a:p>
+        </p:txBody>
+      </p:sp>
       <p:pic>
         <p:nvPicPr>
-          <p:cNvPr id="10" name="Рисунок 9">
-            <a:extLst>
-              <a:ext uri="{FF2B5EF4-FFF2-40B4-BE49-F238E27FC236}">
-                <a16:creationId xmlns:a16="http://schemas.microsoft.com/office/drawing/2014/main" id="{6FE13243-3BD5-4CB8-9D2C-47607C0851DD}"/>
-              </a:ext>
-            </a:extLst>
-          </p:cNvPr>
-          <p:cNvPicPr/>
+          <p:cNvPr id="9" name="Рисунок 8">
+            <a:extLst>
+              <a:ext uri="{FF2B5EF4-FFF2-40B4-BE49-F238E27FC236}">
+                <a16:creationId xmlns:a16="http://schemas.microsoft.com/office/drawing/2014/main" id="{FFFA947E-1885-46A2-8AD9-37C0F2D2D00B}"/>
+              </a:ext>
+            </a:extLst>
+          </p:cNvPr>
+          <p:cNvPicPr>
+            <a:picLocks noChangeAspect="1"/>
+          </p:cNvPicPr>
           <p:nvPr/>
         </p:nvPicPr>
         <p:blipFill>
@@ -6937,25 +6701,74 @@
               </a:ext>
             </a:extLst>
           </a:blip>
-          <a:srcRect/>
           <a:stretch>
             <a:fillRect/>
           </a:stretch>
         </p:blipFill>
-        <p:spPr bwMode="auto">
+        <p:spPr>
           <a:xfrm>
-            <a:off x="4667671" y="1477170"/>
-            <a:ext cx="6686129" cy="4488439"/>
+            <a:off x="6867335" y="2364943"/>
+            <a:ext cx="3671357" cy="2531690"/>
           </a:xfrm>
           <a:prstGeom prst="rect">
             <a:avLst/>
           </a:prstGeom>
-          <a:noFill/>
+        </p:spPr>
+      </p:pic>
+      <p:sp>
+        <p:nvSpPr>
+          <p:cNvPr id="11" name="Прямоугольник 10">
+            <a:extLst>
+              <a:ext uri="{FF2B5EF4-FFF2-40B4-BE49-F238E27FC236}">
+                <a16:creationId xmlns:a16="http://schemas.microsoft.com/office/drawing/2014/main" id="{0B4E1603-4E41-4C32-BF62-C01688BFE32A}"/>
+              </a:ext>
+            </a:extLst>
+          </p:cNvPr>
+          <p:cNvSpPr/>
+          <p:nvPr/>
+        </p:nvSpPr>
+        <p:spPr>
+          <a:xfrm>
+            <a:off x="6322291" y="1986469"/>
+            <a:ext cx="2872509" cy="756948"/>
+          </a:xfrm>
+          <a:prstGeom prst="rect">
+            <a:avLst/>
+          </a:prstGeom>
+          <a:solidFill>
+            <a:schemeClr val="bg1"/>
+          </a:solidFill>
           <a:ln>
-            <a:noFill/>
+            <a:solidFill>
+              <a:schemeClr val="bg1"/>
+            </a:solidFill>
           </a:ln>
         </p:spPr>
-      </p:pic>
+        <p:style>
+          <a:lnRef idx="2">
+            <a:schemeClr val="accent1">
+              <a:shade val="50000"/>
+            </a:schemeClr>
+          </a:lnRef>
+          <a:fillRef idx="1">
+            <a:schemeClr val="accent1"/>
+          </a:fillRef>
+          <a:effectRef idx="0">
+            <a:schemeClr val="accent1"/>
+          </a:effectRef>
+          <a:fontRef idx="minor">
+            <a:schemeClr val="lt1"/>
+          </a:fontRef>
+        </p:style>
+        <p:txBody>
+          <a:bodyPr rtlCol="0" anchor="ctr"/>
+          <a:lstStyle/>
+          <a:p>
+            <a:pPr algn="ctr"/>
+            <a:endParaRPr lang="ru-RU"/>
+          </a:p>
+        </p:txBody>
+      </p:sp>
     </p:spTree>
     <p:extLst>
       <p:ext uri="{BB962C8B-B14F-4D97-AF65-F5344CB8AC3E}">
@@ -7026,16 +6839,14 @@
       </p:sp>
       <p:pic>
         <p:nvPicPr>
-          <p:cNvPr id="7" name="Рисунок 6">
-            <a:extLst>
-              <a:ext uri="{FF2B5EF4-FFF2-40B4-BE49-F238E27FC236}">
-                <a16:creationId xmlns:a16="http://schemas.microsoft.com/office/drawing/2014/main" id="{AB03B045-B4BF-4314-993E-F7F2B7390F9A}"/>
-              </a:ext>
-            </a:extLst>
-          </p:cNvPr>
-          <p:cNvPicPr>
-            <a:picLocks noChangeAspect="1"/>
-          </p:cNvPicPr>
+          <p:cNvPr id="6" name="Рисунок 5">
+            <a:extLst>
+              <a:ext uri="{FF2B5EF4-FFF2-40B4-BE49-F238E27FC236}">
+                <a16:creationId xmlns:a16="http://schemas.microsoft.com/office/drawing/2014/main" id="{F8F91964-F3FC-4ECD-BB76-1931645E43A3}"/>
+              </a:ext>
+            </a:extLst>
+          </p:cNvPr>
+          <p:cNvPicPr/>
           <p:nvPr/>
         </p:nvPicPr>
         <p:blipFill>
@@ -7046,90 +6857,23 @@
               </a:ext>
             </a:extLst>
           </a:blip>
+          <a:srcRect/>
           <a:stretch>
             <a:fillRect/>
           </a:stretch>
         </p:blipFill>
-        <p:spPr>
+        <p:spPr bwMode="auto">
           <a:xfrm>
-            <a:off x="84495" y="1294902"/>
-            <a:ext cx="4265439" cy="5228776"/>
+            <a:off x="1795162" y="1330037"/>
+            <a:ext cx="7662874" cy="4898085"/>
           </a:xfrm>
           <a:prstGeom prst="rect">
             <a:avLst/>
           </a:prstGeom>
-        </p:spPr>
-      </p:pic>
-      <p:pic>
-        <p:nvPicPr>
-          <p:cNvPr id="9" name="Рисунок 8">
-            <a:extLst>
-              <a:ext uri="{FF2B5EF4-FFF2-40B4-BE49-F238E27FC236}">
-                <a16:creationId xmlns:a16="http://schemas.microsoft.com/office/drawing/2014/main" id="{419064B3-4F89-4E33-A61D-75A5292577E4}"/>
-              </a:ext>
-            </a:extLst>
-          </p:cNvPr>
-          <p:cNvPicPr>
-            <a:picLocks noChangeAspect="1"/>
-          </p:cNvPicPr>
-          <p:nvPr/>
-        </p:nvPicPr>
-        <p:blipFill>
-          <a:blip r:embed="rId3">
-            <a:extLst>
-              <a:ext uri="{28A0092B-C50C-407E-A947-70E740481C1C}">
-                <a14:useLocalDpi xmlns:a14="http://schemas.microsoft.com/office/drawing/2010/main" val="0"/>
-              </a:ext>
-            </a:extLst>
-          </a:blip>
-          <a:stretch>
-            <a:fillRect/>
-          </a:stretch>
-        </p:blipFill>
-        <p:spPr>
-          <a:xfrm>
-            <a:off x="4239097" y="1681452"/>
-            <a:ext cx="4096819" cy="3824303"/>
-          </a:xfrm>
-          <a:prstGeom prst="rect">
-            <a:avLst/>
-          </a:prstGeom>
-        </p:spPr>
-      </p:pic>
-      <p:pic>
-        <p:nvPicPr>
-          <p:cNvPr id="12" name="Рисунок 11">
-            <a:extLst>
-              <a:ext uri="{FF2B5EF4-FFF2-40B4-BE49-F238E27FC236}">
-                <a16:creationId xmlns:a16="http://schemas.microsoft.com/office/drawing/2014/main" id="{CC1719BC-84C3-43A8-83CF-60986D8127F6}"/>
-              </a:ext>
-            </a:extLst>
-          </p:cNvPr>
-          <p:cNvPicPr>
-            <a:picLocks noChangeAspect="1"/>
-          </p:cNvPicPr>
-          <p:nvPr/>
-        </p:nvPicPr>
-        <p:blipFill>
-          <a:blip r:embed="rId4">
-            <a:extLst>
-              <a:ext uri="{28A0092B-C50C-407E-A947-70E740481C1C}">
-                <a14:useLocalDpi xmlns:a14="http://schemas.microsoft.com/office/drawing/2010/main" val="0"/>
-              </a:ext>
-            </a:extLst>
-          </a:blip>
-          <a:stretch>
-            <a:fillRect/>
-          </a:stretch>
-        </p:blipFill>
-        <p:spPr>
-          <a:xfrm>
-            <a:off x="8335916" y="1681452"/>
-            <a:ext cx="3671357" cy="2531690"/>
-          </a:xfrm>
-          <a:prstGeom prst="rect">
-            <a:avLst/>
-          </a:prstGeom>
+          <a:noFill/>
+          <a:ln>
+            <a:noFill/>
+          </a:ln>
         </p:spPr>
       </p:pic>
     </p:spTree>
